--- a/DDS_Case_Study_2_Presentation.pptx
+++ b/DDS_Case_Study_2_Presentation.pptx
@@ -7,6 +7,8 @@
   <p:sldIdLst>
     <p:sldId id="256" r:id="rId2"/>
     <p:sldId id="257" r:id="rId3"/>
+    <p:sldId id="258" r:id="rId4"/>
+    <p:sldId id="259" r:id="rId5"/>
   </p:sldIdLst>
   <p:sldSz cx="12192000" cy="6858000"/>
   <p:notesSz cx="6858000" cy="9144000"/>
@@ -3788,6 +3790,24 @@
           <a:bodyPr/>
           <a:lstStyle/>
           <a:p>
+            <a:r>
+              <a:rPr lang="en-US" dirty="0"/>
+              <a:t>What factors contribute to our employees leaving? </a:t>
+            </a:r>
+          </a:p>
+          <a:p>
+            <a:r>
+              <a:rPr lang="en-US" dirty="0"/>
+              <a:t>Can we predict which employees are most likely to depart? </a:t>
+            </a:r>
+          </a:p>
+          <a:p>
+            <a:r>
+              <a:rPr lang="en-US" dirty="0"/>
+              <a:t>Can we prevent it? </a:t>
+            </a:r>
+          </a:p>
+          <a:p>
             <a:endParaRPr lang="en-US" dirty="0"/>
           </a:p>
         </p:txBody>
@@ -3796,6 +3816,229 @@
     <p:extLst>
       <p:ext uri="{BB962C8B-B14F-4D97-AF65-F5344CB8AC3E}">
         <p14:creationId xmlns:p14="http://schemas.microsoft.com/office/powerpoint/2010/main" val="1737994096"/>
+      </p:ext>
+    </p:extLst>
+  </p:cSld>
+  <p:clrMapOvr>
+    <a:masterClrMapping/>
+  </p:clrMapOvr>
+</p:sld>
+</file>
+
+<file path=ppt/slides/slide3.xml><?xml version="1.0" encoding="utf-8"?>
+<p:sld xmlns:a="http://schemas.openxmlformats.org/drawingml/2006/main" xmlns:r="http://schemas.openxmlformats.org/officeDocument/2006/relationships" xmlns:p="http://schemas.openxmlformats.org/presentationml/2006/main">
+  <p:cSld>
+    <p:spTree>
+      <p:nvGrpSpPr>
+        <p:cNvPr id="1" name=""/>
+        <p:cNvGrpSpPr/>
+        <p:nvPr/>
+      </p:nvGrpSpPr>
+      <p:grpSpPr>
+        <a:xfrm>
+          <a:off x="0" y="0"/>
+          <a:ext cx="0" cy="0"/>
+          <a:chOff x="0" y="0"/>
+          <a:chExt cx="0" cy="0"/>
+        </a:xfrm>
+      </p:grpSpPr>
+      <p:sp>
+        <p:nvSpPr>
+          <p:cNvPr id="2" name="Title 1">
+            <a:extLst>
+              <a:ext uri="{FF2B5EF4-FFF2-40B4-BE49-F238E27FC236}">
+                <a16:creationId xmlns:a16="http://schemas.microsoft.com/office/drawing/2014/main" id="{E2B2999F-3191-6D46-85E9-39235060A0B1}"/>
+              </a:ext>
+            </a:extLst>
+          </p:cNvPr>
+          <p:cNvSpPr>
+            <a:spLocks noGrp="1"/>
+          </p:cNvSpPr>
+          <p:nvPr>
+            <p:ph type="title"/>
+          </p:nvPr>
+        </p:nvSpPr>
+        <p:spPr/>
+        <p:txBody>
+          <a:bodyPr/>
+          <a:lstStyle/>
+          <a:p>
+            <a:r>
+              <a:rPr lang="en-US" dirty="0"/>
+              <a:t>Let’s look at the data shall we</a:t>
+            </a:r>
+          </a:p>
+        </p:txBody>
+      </p:sp>
+      <p:sp>
+        <p:nvSpPr>
+          <p:cNvPr id="3" name="Content Placeholder 2">
+            <a:extLst>
+              <a:ext uri="{FF2B5EF4-FFF2-40B4-BE49-F238E27FC236}">
+                <a16:creationId xmlns:a16="http://schemas.microsoft.com/office/drawing/2014/main" id="{B341A247-45F4-E74C-BEDA-EEEBAB1F49C5}"/>
+              </a:ext>
+            </a:extLst>
+          </p:cNvPr>
+          <p:cNvSpPr>
+            <a:spLocks noGrp="1"/>
+          </p:cNvSpPr>
+          <p:nvPr>
+            <p:ph idx="1"/>
+          </p:nvPr>
+        </p:nvSpPr>
+        <p:spPr/>
+        <p:txBody>
+          <a:bodyPr/>
+          <a:lstStyle/>
+          <a:p>
+            <a:r>
+              <a:rPr lang="en-US" dirty="0"/>
+              <a:t>We examined 1,471 current and dearly departed employees across 33 attributes </a:t>
+            </a:r>
+          </a:p>
+          <a:p>
+            <a:r>
+              <a:rPr lang="en-US" dirty="0"/>
+              <a:t>XXX% Of these employees quit</a:t>
+            </a:r>
+          </a:p>
+          <a:p>
+            <a:r>
+              <a:rPr lang="en-US" dirty="0"/>
+              <a:t>Can we predict which employees are most likely to depart? </a:t>
+            </a:r>
+          </a:p>
+          <a:p>
+            <a:r>
+              <a:rPr lang="en-US" dirty="0"/>
+              <a:t>Can we prevent it? </a:t>
+            </a:r>
+          </a:p>
+          <a:p>
+            <a:endParaRPr lang="en-US" dirty="0"/>
+          </a:p>
+        </p:txBody>
+      </p:sp>
+    </p:spTree>
+    <p:extLst>
+      <p:ext uri="{BB962C8B-B14F-4D97-AF65-F5344CB8AC3E}">
+        <p14:creationId xmlns:p14="http://schemas.microsoft.com/office/powerpoint/2010/main" val="2484004989"/>
+      </p:ext>
+    </p:extLst>
+  </p:cSld>
+  <p:clrMapOvr>
+    <a:masterClrMapping/>
+  </p:clrMapOvr>
+</p:sld>
+</file>
+
+<file path=ppt/slides/slide4.xml><?xml version="1.0" encoding="utf-8"?>
+<p:sld xmlns:a="http://schemas.openxmlformats.org/drawingml/2006/main" xmlns:r="http://schemas.openxmlformats.org/officeDocument/2006/relationships" xmlns:p="http://schemas.openxmlformats.org/presentationml/2006/main">
+  <p:cSld>
+    <p:spTree>
+      <p:nvGrpSpPr>
+        <p:cNvPr id="1" name=""/>
+        <p:cNvGrpSpPr/>
+        <p:nvPr/>
+      </p:nvGrpSpPr>
+      <p:grpSpPr>
+        <a:xfrm>
+          <a:off x="0" y="0"/>
+          <a:ext cx="0" cy="0"/>
+          <a:chOff x="0" y="0"/>
+          <a:chExt cx="0" cy="0"/>
+        </a:xfrm>
+      </p:grpSpPr>
+      <p:sp>
+        <p:nvSpPr>
+          <p:cNvPr id="2" name="Title 1">
+            <a:extLst>
+              <a:ext uri="{FF2B5EF4-FFF2-40B4-BE49-F238E27FC236}">
+                <a16:creationId xmlns:a16="http://schemas.microsoft.com/office/drawing/2014/main" id="{E2B2999F-3191-6D46-85E9-39235060A0B1}"/>
+              </a:ext>
+            </a:extLst>
+          </p:cNvPr>
+          <p:cNvSpPr>
+            <a:spLocks noGrp="1"/>
+          </p:cNvSpPr>
+          <p:nvPr>
+            <p:ph type="title"/>
+          </p:nvPr>
+        </p:nvSpPr>
+        <p:spPr/>
+        <p:txBody>
+          <a:bodyPr/>
+          <a:lstStyle/>
+          <a:p>
+            <a:r>
+              <a:rPr lang="en-US" dirty="0"/>
+              <a:t>Starting with this dataset we…</a:t>
+            </a:r>
+          </a:p>
+        </p:txBody>
+      </p:sp>
+      <p:sp>
+        <p:nvSpPr>
+          <p:cNvPr id="3" name="Content Placeholder 2">
+            <a:extLst>
+              <a:ext uri="{FF2B5EF4-FFF2-40B4-BE49-F238E27FC236}">
+                <a16:creationId xmlns:a16="http://schemas.microsoft.com/office/drawing/2014/main" id="{B341A247-45F4-E74C-BEDA-EEEBAB1F49C5}"/>
+              </a:ext>
+            </a:extLst>
+          </p:cNvPr>
+          <p:cNvSpPr>
+            <a:spLocks noGrp="1"/>
+          </p:cNvSpPr>
+          <p:nvPr>
+            <p:ph idx="1"/>
+          </p:nvPr>
+        </p:nvSpPr>
+        <p:spPr/>
+        <p:txBody>
+          <a:bodyPr/>
+          <a:lstStyle/>
+          <a:p>
+            <a:r>
+              <a:rPr lang="en-US" dirty="0"/>
+              <a:t>Perform a logistic regression and analysis of variance</a:t>
+            </a:r>
+          </a:p>
+          <a:p>
+            <a:r>
+              <a:rPr lang="en-US" dirty="0"/>
+              <a:t>9 of the Employee attributes appear to be statistically significant predictors of attrition</a:t>
+            </a:r>
+          </a:p>
+          <a:p>
+            <a:r>
+              <a:rPr lang="en-US" dirty="0"/>
+              <a:t>We through out X, Y, and Z because we assume blah blah blah </a:t>
+            </a:r>
+          </a:p>
+          <a:p>
+            <a:r>
+              <a:rPr lang="en-US" dirty="0"/>
+              <a:t>Of the remaining, these three appear to be most </a:t>
+            </a:r>
+            <a:r>
+              <a:rPr lang="en-US" dirty="0" err="1"/>
+              <a:t>signicant</a:t>
+            </a:r>
+            <a:r>
+              <a:rPr lang="en-US"/>
+              <a:t> predictors</a:t>
+            </a:r>
+            <a:endParaRPr lang="en-US" dirty="0"/>
+          </a:p>
+          <a:p>
+            <a:endParaRPr lang="en-US" dirty="0"/>
+          </a:p>
+        </p:txBody>
+      </p:sp>
+    </p:spTree>
+    <p:extLst>
+      <p:ext uri="{BB962C8B-B14F-4D97-AF65-F5344CB8AC3E}">
+        <p14:creationId xmlns:p14="http://schemas.microsoft.com/office/powerpoint/2010/main" val="596933440"/>
       </p:ext>
     </p:extLst>
   </p:cSld>

--- a/DDS_Case_Study_2_Presentation.pptx
+++ b/DDS_Case_Study_2_Presentation.pptx
@@ -9,6 +9,14 @@
     <p:sldId id="257" r:id="rId3"/>
     <p:sldId id="258" r:id="rId4"/>
     <p:sldId id="259" r:id="rId5"/>
+    <p:sldId id="263" r:id="rId6"/>
+    <p:sldId id="260" r:id="rId7"/>
+    <p:sldId id="264" r:id="rId8"/>
+    <p:sldId id="265" r:id="rId9"/>
+    <p:sldId id="266" r:id="rId10"/>
+    <p:sldId id="262" r:id="rId11"/>
+    <p:sldId id="267" r:id="rId12"/>
+    <p:sldId id="268" r:id="rId13"/>
   </p:sldIdLst>
   <p:sldSz cx="12192000" cy="6858000"/>
   <p:notesSz cx="6858000" cy="9144000"/>
@@ -108,6 +116,18 @@
     </a:lvl9pPr>
   </p:defaultTextStyle>
 </p:presentation>
+</file>
+
+<file path=ppt/commentAuthors.xml><?xml version="1.0" encoding="utf-8"?>
+<p:cmAuthorLst xmlns:a="http://schemas.openxmlformats.org/drawingml/2006/main" xmlns:r="http://schemas.openxmlformats.org/officeDocument/2006/relationships" xmlns:p="http://schemas.openxmlformats.org/presentationml/2006/main">
+  <p:cmAuthor id="1" name="C G" initials="CG" lastIdx="1" clrIdx="0">
+    <p:extLst>
+      <p:ext uri="{19B8F6BF-5375-455C-9EA6-DF929625EA0E}">
+        <p15:presenceInfo xmlns:p15="http://schemas.microsoft.com/office/powerpoint/2012/main" userId="C G" providerId="None"/>
+      </p:ext>
+    </p:extLst>
+  </p:cmAuthor>
+</p:cmAuthorLst>
 </file>
 
 <file path=ppt/slideLayouts/slideLayout1.xml><?xml version="1.0" encoding="utf-8"?>
@@ -3724,6 +3744,388 @@
 </p:sld>
 </file>
 
+<file path=ppt/slides/slide10.xml><?xml version="1.0" encoding="utf-8"?>
+<p:sld xmlns:a="http://schemas.openxmlformats.org/drawingml/2006/main" xmlns:r="http://schemas.openxmlformats.org/officeDocument/2006/relationships" xmlns:p="http://schemas.openxmlformats.org/presentationml/2006/main">
+  <p:cSld>
+    <p:spTree>
+      <p:nvGrpSpPr>
+        <p:cNvPr id="1" name=""/>
+        <p:cNvGrpSpPr/>
+        <p:nvPr/>
+      </p:nvGrpSpPr>
+      <p:grpSpPr>
+        <a:xfrm>
+          <a:off x="0" y="0"/>
+          <a:ext cx="0" cy="0"/>
+          <a:chOff x="0" y="0"/>
+          <a:chExt cx="0" cy="0"/>
+        </a:xfrm>
+      </p:grpSpPr>
+      <p:sp>
+        <p:nvSpPr>
+          <p:cNvPr id="2" name="Title 1">
+            <a:extLst>
+              <a:ext uri="{FF2B5EF4-FFF2-40B4-BE49-F238E27FC236}">
+                <a16:creationId xmlns:a16="http://schemas.microsoft.com/office/drawing/2014/main" id="{E2B2999F-3191-6D46-85E9-39235060A0B1}"/>
+              </a:ext>
+            </a:extLst>
+          </p:cNvPr>
+          <p:cNvSpPr>
+            <a:spLocks noGrp="1"/>
+          </p:cNvSpPr>
+          <p:nvPr>
+            <p:ph type="title"/>
+          </p:nvPr>
+        </p:nvSpPr>
+        <p:spPr/>
+        <p:txBody>
+          <a:bodyPr/>
+          <a:lstStyle/>
+          <a:p>
+            <a:r>
+              <a:rPr lang="en-US" dirty="0"/>
+              <a:t>Summary</a:t>
+            </a:r>
+          </a:p>
+        </p:txBody>
+      </p:sp>
+      <p:sp>
+        <p:nvSpPr>
+          <p:cNvPr id="3" name="Content Placeholder 2">
+            <a:extLst>
+              <a:ext uri="{FF2B5EF4-FFF2-40B4-BE49-F238E27FC236}">
+                <a16:creationId xmlns:a16="http://schemas.microsoft.com/office/drawing/2014/main" id="{B341A247-45F4-E74C-BEDA-EEEBAB1F49C5}"/>
+              </a:ext>
+            </a:extLst>
+          </p:cNvPr>
+          <p:cNvSpPr>
+            <a:spLocks noGrp="1"/>
+          </p:cNvSpPr>
+          <p:nvPr>
+            <p:ph idx="1"/>
+          </p:nvPr>
+        </p:nvSpPr>
+        <p:spPr/>
+        <p:txBody>
+          <a:bodyPr/>
+          <a:lstStyle/>
+          <a:p>
+            <a:r>
+              <a:rPr lang="en-US" dirty="0"/>
+              <a:t>Insights</a:t>
+            </a:r>
+          </a:p>
+          <a:p>
+            <a:endParaRPr lang="en-US" dirty="0"/>
+          </a:p>
+        </p:txBody>
+      </p:sp>
+      <p:sp>
+        <p:nvSpPr>
+          <p:cNvPr id="4" name="TextBox 3">
+            <a:extLst>
+              <a:ext uri="{FF2B5EF4-FFF2-40B4-BE49-F238E27FC236}">
+                <a16:creationId xmlns:a16="http://schemas.microsoft.com/office/drawing/2014/main" id="{77F0B0C7-9AD0-8847-A73B-0C08D1DBFF65}"/>
+              </a:ext>
+            </a:extLst>
+          </p:cNvPr>
+          <p:cNvSpPr txBox="1"/>
+          <p:nvPr/>
+        </p:nvSpPr>
+        <p:spPr>
+          <a:xfrm>
+            <a:off x="10015537" y="41959"/>
+            <a:ext cx="2676525" cy="646331"/>
+          </a:xfrm>
+          <a:prstGeom prst="rect">
+            <a:avLst/>
+          </a:prstGeom>
+          <a:noFill/>
+        </p:spPr>
+        <p:txBody>
+          <a:bodyPr wrap="square" rtlCol="0">
+            <a:spAutoFit/>
+          </a:bodyPr>
+          <a:lstStyle/>
+          <a:p>
+            <a:r>
+              <a:rPr lang="en-US" dirty="0"/>
+              <a:t>Summary</a:t>
+            </a:r>
+          </a:p>
+          <a:p>
+            <a:endParaRPr lang="en-US" dirty="0"/>
+          </a:p>
+        </p:txBody>
+      </p:sp>
+    </p:spTree>
+    <p:extLst>
+      <p:ext uri="{BB962C8B-B14F-4D97-AF65-F5344CB8AC3E}">
+        <p14:creationId xmlns:p14="http://schemas.microsoft.com/office/powerpoint/2010/main" val="711638093"/>
+      </p:ext>
+    </p:extLst>
+  </p:cSld>
+  <p:clrMapOvr>
+    <a:masterClrMapping/>
+  </p:clrMapOvr>
+</p:sld>
+</file>
+
+<file path=ppt/slides/slide11.xml><?xml version="1.0" encoding="utf-8"?>
+<p:sld xmlns:a="http://schemas.openxmlformats.org/drawingml/2006/main" xmlns:r="http://schemas.openxmlformats.org/officeDocument/2006/relationships" xmlns:p="http://schemas.openxmlformats.org/presentationml/2006/main">
+  <p:cSld>
+    <p:spTree>
+      <p:nvGrpSpPr>
+        <p:cNvPr id="1" name=""/>
+        <p:cNvGrpSpPr/>
+        <p:nvPr/>
+      </p:nvGrpSpPr>
+      <p:grpSpPr>
+        <a:xfrm>
+          <a:off x="0" y="0"/>
+          <a:ext cx="0" cy="0"/>
+          <a:chOff x="0" y="0"/>
+          <a:chExt cx="0" cy="0"/>
+        </a:xfrm>
+      </p:grpSpPr>
+      <p:sp>
+        <p:nvSpPr>
+          <p:cNvPr id="2" name="Title 1">
+            <a:extLst>
+              <a:ext uri="{FF2B5EF4-FFF2-40B4-BE49-F238E27FC236}">
+                <a16:creationId xmlns:a16="http://schemas.microsoft.com/office/drawing/2014/main" id="{E2B2999F-3191-6D46-85E9-39235060A0B1}"/>
+              </a:ext>
+            </a:extLst>
+          </p:cNvPr>
+          <p:cNvSpPr>
+            <a:spLocks noGrp="1"/>
+          </p:cNvSpPr>
+          <p:nvPr>
+            <p:ph type="title"/>
+          </p:nvPr>
+        </p:nvSpPr>
+        <p:spPr/>
+        <p:txBody>
+          <a:bodyPr/>
+          <a:lstStyle/>
+          <a:p>
+            <a:r>
+              <a:rPr lang="en-US" dirty="0"/>
+              <a:t>Summary</a:t>
+            </a:r>
+          </a:p>
+        </p:txBody>
+      </p:sp>
+      <p:sp>
+        <p:nvSpPr>
+          <p:cNvPr id="3" name="Content Placeholder 2">
+            <a:extLst>
+              <a:ext uri="{FF2B5EF4-FFF2-40B4-BE49-F238E27FC236}">
+                <a16:creationId xmlns:a16="http://schemas.microsoft.com/office/drawing/2014/main" id="{B341A247-45F4-E74C-BEDA-EEEBAB1F49C5}"/>
+              </a:ext>
+            </a:extLst>
+          </p:cNvPr>
+          <p:cNvSpPr>
+            <a:spLocks noGrp="1"/>
+          </p:cNvSpPr>
+          <p:nvPr>
+            <p:ph idx="1"/>
+          </p:nvPr>
+        </p:nvSpPr>
+        <p:spPr/>
+        <p:txBody>
+          <a:bodyPr/>
+          <a:lstStyle/>
+          <a:p>
+            <a:r>
+              <a:rPr lang="en-US" dirty="0" err="1"/>
+              <a:t>Reccomendations</a:t>
+            </a:r>
+            <a:endParaRPr lang="en-US" dirty="0"/>
+          </a:p>
+          <a:p>
+            <a:endParaRPr lang="en-US" dirty="0"/>
+          </a:p>
+        </p:txBody>
+      </p:sp>
+      <p:sp>
+        <p:nvSpPr>
+          <p:cNvPr id="4" name="TextBox 3">
+            <a:extLst>
+              <a:ext uri="{FF2B5EF4-FFF2-40B4-BE49-F238E27FC236}">
+                <a16:creationId xmlns:a16="http://schemas.microsoft.com/office/drawing/2014/main" id="{77F0B0C7-9AD0-8847-A73B-0C08D1DBFF65}"/>
+              </a:ext>
+            </a:extLst>
+          </p:cNvPr>
+          <p:cNvSpPr txBox="1"/>
+          <p:nvPr/>
+        </p:nvSpPr>
+        <p:spPr>
+          <a:xfrm>
+            <a:off x="10015537" y="41959"/>
+            <a:ext cx="2676525" cy="646331"/>
+          </a:xfrm>
+          <a:prstGeom prst="rect">
+            <a:avLst/>
+          </a:prstGeom>
+          <a:noFill/>
+        </p:spPr>
+        <p:txBody>
+          <a:bodyPr wrap="square" rtlCol="0">
+            <a:spAutoFit/>
+          </a:bodyPr>
+          <a:lstStyle/>
+          <a:p>
+            <a:r>
+              <a:rPr lang="en-US" dirty="0"/>
+              <a:t>Summary</a:t>
+            </a:r>
+          </a:p>
+          <a:p>
+            <a:endParaRPr lang="en-US" dirty="0"/>
+          </a:p>
+        </p:txBody>
+      </p:sp>
+    </p:spTree>
+    <p:extLst>
+      <p:ext uri="{BB962C8B-B14F-4D97-AF65-F5344CB8AC3E}">
+        <p14:creationId xmlns:p14="http://schemas.microsoft.com/office/powerpoint/2010/main" val="3288201064"/>
+      </p:ext>
+    </p:extLst>
+  </p:cSld>
+  <p:clrMapOvr>
+    <a:masterClrMapping/>
+  </p:clrMapOvr>
+</p:sld>
+</file>
+
+<file path=ppt/slides/slide12.xml><?xml version="1.0" encoding="utf-8"?>
+<p:sld xmlns:a="http://schemas.openxmlformats.org/drawingml/2006/main" xmlns:r="http://schemas.openxmlformats.org/officeDocument/2006/relationships" xmlns:p="http://schemas.openxmlformats.org/presentationml/2006/main">
+  <p:cSld>
+    <p:spTree>
+      <p:nvGrpSpPr>
+        <p:cNvPr id="1" name=""/>
+        <p:cNvGrpSpPr/>
+        <p:nvPr/>
+      </p:nvGrpSpPr>
+      <p:grpSpPr>
+        <a:xfrm>
+          <a:off x="0" y="0"/>
+          <a:ext cx="0" cy="0"/>
+          <a:chOff x="0" y="0"/>
+          <a:chExt cx="0" cy="0"/>
+        </a:xfrm>
+      </p:grpSpPr>
+      <p:sp>
+        <p:nvSpPr>
+          <p:cNvPr id="2" name="Title 1">
+            <a:extLst>
+              <a:ext uri="{FF2B5EF4-FFF2-40B4-BE49-F238E27FC236}">
+                <a16:creationId xmlns:a16="http://schemas.microsoft.com/office/drawing/2014/main" id="{E2B2999F-3191-6D46-85E9-39235060A0B1}"/>
+              </a:ext>
+            </a:extLst>
+          </p:cNvPr>
+          <p:cNvSpPr>
+            <a:spLocks noGrp="1"/>
+          </p:cNvSpPr>
+          <p:nvPr>
+            <p:ph type="title"/>
+          </p:nvPr>
+        </p:nvSpPr>
+        <p:spPr/>
+        <p:txBody>
+          <a:bodyPr/>
+          <a:lstStyle/>
+          <a:p>
+            <a:r>
+              <a:rPr lang="en-US" dirty="0"/>
+              <a:t>Summary</a:t>
+            </a:r>
+          </a:p>
+        </p:txBody>
+      </p:sp>
+      <p:sp>
+        <p:nvSpPr>
+          <p:cNvPr id="3" name="Content Placeholder 2">
+            <a:extLst>
+              <a:ext uri="{FF2B5EF4-FFF2-40B4-BE49-F238E27FC236}">
+                <a16:creationId xmlns:a16="http://schemas.microsoft.com/office/drawing/2014/main" id="{B341A247-45F4-E74C-BEDA-EEEBAB1F49C5}"/>
+              </a:ext>
+            </a:extLst>
+          </p:cNvPr>
+          <p:cNvSpPr>
+            <a:spLocks noGrp="1"/>
+          </p:cNvSpPr>
+          <p:nvPr>
+            <p:ph idx="1"/>
+          </p:nvPr>
+        </p:nvSpPr>
+        <p:spPr/>
+        <p:txBody>
+          <a:bodyPr/>
+          <a:lstStyle/>
+          <a:p>
+            <a:r>
+              <a:rPr lang="en-US" dirty="0"/>
+              <a:t>Improvements</a:t>
+            </a:r>
+          </a:p>
+          <a:p>
+            <a:endParaRPr lang="en-US" dirty="0"/>
+          </a:p>
+        </p:txBody>
+      </p:sp>
+      <p:sp>
+        <p:nvSpPr>
+          <p:cNvPr id="4" name="TextBox 3">
+            <a:extLst>
+              <a:ext uri="{FF2B5EF4-FFF2-40B4-BE49-F238E27FC236}">
+                <a16:creationId xmlns:a16="http://schemas.microsoft.com/office/drawing/2014/main" id="{77F0B0C7-9AD0-8847-A73B-0C08D1DBFF65}"/>
+              </a:ext>
+            </a:extLst>
+          </p:cNvPr>
+          <p:cNvSpPr txBox="1"/>
+          <p:nvPr/>
+        </p:nvSpPr>
+        <p:spPr>
+          <a:xfrm>
+            <a:off x="10015537" y="41959"/>
+            <a:ext cx="2676525" cy="646331"/>
+          </a:xfrm>
+          <a:prstGeom prst="rect">
+            <a:avLst/>
+          </a:prstGeom>
+          <a:noFill/>
+        </p:spPr>
+        <p:txBody>
+          <a:bodyPr wrap="square" rtlCol="0">
+            <a:spAutoFit/>
+          </a:bodyPr>
+          <a:lstStyle/>
+          <a:p>
+            <a:r>
+              <a:rPr lang="en-US" dirty="0"/>
+              <a:t>Summary</a:t>
+            </a:r>
+          </a:p>
+          <a:p>
+            <a:endParaRPr lang="en-US" dirty="0"/>
+          </a:p>
+        </p:txBody>
+      </p:sp>
+    </p:spTree>
+    <p:extLst>
+      <p:ext uri="{BB962C8B-B14F-4D97-AF65-F5344CB8AC3E}">
+        <p14:creationId xmlns:p14="http://schemas.microsoft.com/office/powerpoint/2010/main" val="197088642"/>
+      </p:ext>
+    </p:extLst>
+  </p:cSld>
+  <p:clrMapOvr>
+    <a:masterClrMapping/>
+  </p:clrMapOvr>
+</p:sld>
+</file>
+
 <file path=ppt/slides/slide2.xml><?xml version="1.0" encoding="utf-8"?>
 <p:sld xmlns:a="http://schemas.openxmlformats.org/drawingml/2006/main" xmlns:r="http://schemas.openxmlformats.org/officeDocument/2006/relationships" xmlns:p="http://schemas.openxmlformats.org/presentationml/2006/main">
   <p:cSld>
@@ -3805,6 +4207,44 @@
             <a:r>
               <a:rPr lang="en-US" dirty="0"/>
               <a:t>Can we prevent it? </a:t>
+            </a:r>
+          </a:p>
+          <a:p>
+            <a:endParaRPr lang="en-US" dirty="0"/>
+          </a:p>
+        </p:txBody>
+      </p:sp>
+      <p:sp>
+        <p:nvSpPr>
+          <p:cNvPr id="4" name="TextBox 3">
+            <a:extLst>
+              <a:ext uri="{FF2B5EF4-FFF2-40B4-BE49-F238E27FC236}">
+                <a16:creationId xmlns:a16="http://schemas.microsoft.com/office/drawing/2014/main" id="{96B03D88-F8BE-7947-A9AB-C69C51419CE0}"/>
+              </a:ext>
+            </a:extLst>
+          </p:cNvPr>
+          <p:cNvSpPr txBox="1"/>
+          <p:nvPr/>
+        </p:nvSpPr>
+        <p:spPr>
+          <a:xfrm>
+            <a:off x="10015537" y="41959"/>
+            <a:ext cx="2676525" cy="646331"/>
+          </a:xfrm>
+          <a:prstGeom prst="rect">
+            <a:avLst/>
+          </a:prstGeom>
+          <a:noFill/>
+        </p:spPr>
+        <p:txBody>
+          <a:bodyPr wrap="square" rtlCol="0">
+            <a:spAutoFit/>
+          </a:bodyPr>
+          <a:lstStyle/>
+          <a:p>
+            <a:r>
+              <a:rPr lang="en-US" dirty="0"/>
+              <a:t>Business Objective</a:t>
             </a:r>
           </a:p>
           <a:p>
@@ -3919,6 +4359,44 @@
           </a:p>
         </p:txBody>
       </p:sp>
+      <p:sp>
+        <p:nvSpPr>
+          <p:cNvPr id="4" name="TextBox 3">
+            <a:extLst>
+              <a:ext uri="{FF2B5EF4-FFF2-40B4-BE49-F238E27FC236}">
+                <a16:creationId xmlns:a16="http://schemas.microsoft.com/office/drawing/2014/main" id="{46A1444B-089B-FD4B-B044-3BC71FC4CA1F}"/>
+              </a:ext>
+            </a:extLst>
+          </p:cNvPr>
+          <p:cNvSpPr txBox="1"/>
+          <p:nvPr/>
+        </p:nvSpPr>
+        <p:spPr>
+          <a:xfrm>
+            <a:off x="10158412" y="41959"/>
+            <a:ext cx="2676525" cy="646331"/>
+          </a:xfrm>
+          <a:prstGeom prst="rect">
+            <a:avLst/>
+          </a:prstGeom>
+          <a:noFill/>
+        </p:spPr>
+        <p:txBody>
+          <a:bodyPr wrap="square" rtlCol="0">
+            <a:spAutoFit/>
+          </a:bodyPr>
+          <a:lstStyle/>
+          <a:p>
+            <a:r>
+              <a:rPr lang="en-US" dirty="0"/>
+              <a:t>Data Source</a:t>
+            </a:r>
+          </a:p>
+          <a:p>
+            <a:endParaRPr lang="en-US" dirty="0"/>
+          </a:p>
+        </p:txBody>
+      </p:sp>
     </p:spTree>
     <p:extLst>
       <p:ext uri="{BB962C8B-B14F-4D97-AF65-F5344CB8AC3E}">
@@ -4025,10 +4503,47 @@
               <a:t>signicant</a:t>
             </a:r>
             <a:r>
-              <a:rPr lang="en-US"/>
+              <a:rPr lang="en-US" dirty="0"/>
               <a:t> predictors</a:t>
             </a:r>
+          </a:p>
+          <a:p>
             <a:endParaRPr lang="en-US" dirty="0"/>
+          </a:p>
+        </p:txBody>
+      </p:sp>
+      <p:sp>
+        <p:nvSpPr>
+          <p:cNvPr id="4" name="TextBox 3">
+            <a:extLst>
+              <a:ext uri="{FF2B5EF4-FFF2-40B4-BE49-F238E27FC236}">
+                <a16:creationId xmlns:a16="http://schemas.microsoft.com/office/drawing/2014/main" id="{77F0B0C7-9AD0-8847-A73B-0C08D1DBFF65}"/>
+              </a:ext>
+            </a:extLst>
+          </p:cNvPr>
+          <p:cNvSpPr txBox="1"/>
+          <p:nvPr/>
+        </p:nvSpPr>
+        <p:spPr>
+          <a:xfrm>
+            <a:off x="10015537" y="41959"/>
+            <a:ext cx="2676525" cy="646331"/>
+          </a:xfrm>
+          <a:prstGeom prst="rect">
+            <a:avLst/>
+          </a:prstGeom>
+          <a:noFill/>
+        </p:spPr>
+        <p:txBody>
+          <a:bodyPr wrap="square" rtlCol="0">
+            <a:spAutoFit/>
+          </a:bodyPr>
+          <a:lstStyle/>
+          <a:p>
+            <a:r>
+              <a:rPr lang="en-US" dirty="0"/>
+              <a:t>Methodology</a:t>
+            </a:r>
           </a:p>
           <a:p>
             <a:endParaRPr lang="en-US" dirty="0"/>
@@ -4039,6 +4554,641 @@
     <p:extLst>
       <p:ext uri="{BB962C8B-B14F-4D97-AF65-F5344CB8AC3E}">
         <p14:creationId xmlns:p14="http://schemas.microsoft.com/office/powerpoint/2010/main" val="596933440"/>
+      </p:ext>
+    </p:extLst>
+  </p:cSld>
+  <p:clrMapOvr>
+    <a:masterClrMapping/>
+  </p:clrMapOvr>
+</p:sld>
+</file>
+
+<file path=ppt/slides/slide5.xml><?xml version="1.0" encoding="utf-8"?>
+<p:sld xmlns:a="http://schemas.openxmlformats.org/drawingml/2006/main" xmlns:r="http://schemas.openxmlformats.org/officeDocument/2006/relationships" xmlns:p="http://schemas.openxmlformats.org/presentationml/2006/main">
+  <p:cSld>
+    <p:spTree>
+      <p:nvGrpSpPr>
+        <p:cNvPr id="1" name=""/>
+        <p:cNvGrpSpPr/>
+        <p:nvPr/>
+      </p:nvGrpSpPr>
+      <p:grpSpPr>
+        <a:xfrm>
+          <a:off x="0" y="0"/>
+          <a:ext cx="0" cy="0"/>
+          <a:chOff x="0" y="0"/>
+          <a:chExt cx="0" cy="0"/>
+        </a:xfrm>
+      </p:grpSpPr>
+      <p:sp>
+        <p:nvSpPr>
+          <p:cNvPr id="2" name="Title 1">
+            <a:extLst>
+              <a:ext uri="{FF2B5EF4-FFF2-40B4-BE49-F238E27FC236}">
+                <a16:creationId xmlns:a16="http://schemas.microsoft.com/office/drawing/2014/main" id="{E2B2999F-3191-6D46-85E9-39235060A0B1}"/>
+              </a:ext>
+            </a:extLst>
+          </p:cNvPr>
+          <p:cNvSpPr>
+            <a:spLocks noGrp="1"/>
+          </p:cNvSpPr>
+          <p:nvPr>
+            <p:ph type="title"/>
+          </p:nvPr>
+        </p:nvSpPr>
+        <p:spPr/>
+        <p:txBody>
+          <a:bodyPr/>
+          <a:lstStyle/>
+          <a:p>
+            <a:r>
+              <a:rPr lang="en-US" dirty="0"/>
+              <a:t>Evaluation/Results</a:t>
+            </a:r>
+          </a:p>
+        </p:txBody>
+      </p:sp>
+      <p:sp>
+        <p:nvSpPr>
+          <p:cNvPr id="3" name="Content Placeholder 2">
+            <a:extLst>
+              <a:ext uri="{FF2B5EF4-FFF2-40B4-BE49-F238E27FC236}">
+                <a16:creationId xmlns:a16="http://schemas.microsoft.com/office/drawing/2014/main" id="{B341A247-45F4-E74C-BEDA-EEEBAB1F49C5}"/>
+              </a:ext>
+            </a:extLst>
+          </p:cNvPr>
+          <p:cNvSpPr>
+            <a:spLocks noGrp="1"/>
+          </p:cNvSpPr>
+          <p:nvPr>
+            <p:ph idx="1"/>
+          </p:nvPr>
+        </p:nvSpPr>
+        <p:spPr/>
+        <p:txBody>
+          <a:bodyPr/>
+          <a:lstStyle/>
+          <a:p>
+            <a:r>
+              <a:rPr lang="en-US" dirty="0"/>
+              <a:t>Percentages and Why</a:t>
+            </a:r>
+          </a:p>
+          <a:p>
+            <a:endParaRPr lang="en-US" dirty="0"/>
+          </a:p>
+        </p:txBody>
+      </p:sp>
+      <p:sp>
+        <p:nvSpPr>
+          <p:cNvPr id="4" name="TextBox 3">
+            <a:extLst>
+              <a:ext uri="{FF2B5EF4-FFF2-40B4-BE49-F238E27FC236}">
+                <a16:creationId xmlns:a16="http://schemas.microsoft.com/office/drawing/2014/main" id="{77F0B0C7-9AD0-8847-A73B-0C08D1DBFF65}"/>
+              </a:ext>
+            </a:extLst>
+          </p:cNvPr>
+          <p:cNvSpPr txBox="1"/>
+          <p:nvPr/>
+        </p:nvSpPr>
+        <p:spPr>
+          <a:xfrm>
+            <a:off x="10015537" y="41959"/>
+            <a:ext cx="2676525" cy="646331"/>
+          </a:xfrm>
+          <a:prstGeom prst="rect">
+            <a:avLst/>
+          </a:prstGeom>
+          <a:noFill/>
+        </p:spPr>
+        <p:txBody>
+          <a:bodyPr wrap="square" rtlCol="0">
+            <a:spAutoFit/>
+          </a:bodyPr>
+          <a:lstStyle/>
+          <a:p>
+            <a:r>
+              <a:rPr lang="en-US" dirty="0"/>
+              <a:t>Evaluation/Results</a:t>
+            </a:r>
+          </a:p>
+          <a:p>
+            <a:endParaRPr lang="en-US" dirty="0"/>
+          </a:p>
+        </p:txBody>
+      </p:sp>
+    </p:spTree>
+    <p:extLst>
+      <p:ext uri="{BB962C8B-B14F-4D97-AF65-F5344CB8AC3E}">
+        <p14:creationId xmlns:p14="http://schemas.microsoft.com/office/powerpoint/2010/main" val="3521673484"/>
+      </p:ext>
+    </p:extLst>
+  </p:cSld>
+  <p:clrMapOvr>
+    <a:masterClrMapping/>
+  </p:clrMapOvr>
+</p:sld>
+</file>
+
+<file path=ppt/slides/slide6.xml><?xml version="1.0" encoding="utf-8"?>
+<p:sld xmlns:a="http://schemas.openxmlformats.org/drawingml/2006/main" xmlns:r="http://schemas.openxmlformats.org/officeDocument/2006/relationships" xmlns:p="http://schemas.openxmlformats.org/presentationml/2006/main">
+  <p:cSld>
+    <p:spTree>
+      <p:nvGrpSpPr>
+        <p:cNvPr id="1" name=""/>
+        <p:cNvGrpSpPr/>
+        <p:nvPr/>
+      </p:nvGrpSpPr>
+      <p:grpSpPr>
+        <a:xfrm>
+          <a:off x="0" y="0"/>
+          <a:ext cx="0" cy="0"/>
+          <a:chOff x="0" y="0"/>
+          <a:chExt cx="0" cy="0"/>
+        </a:xfrm>
+      </p:grpSpPr>
+      <p:sp>
+        <p:nvSpPr>
+          <p:cNvPr id="2" name="Title 1">
+            <a:extLst>
+              <a:ext uri="{FF2B5EF4-FFF2-40B4-BE49-F238E27FC236}">
+                <a16:creationId xmlns:a16="http://schemas.microsoft.com/office/drawing/2014/main" id="{E2B2999F-3191-6D46-85E9-39235060A0B1}"/>
+              </a:ext>
+            </a:extLst>
+          </p:cNvPr>
+          <p:cNvSpPr>
+            <a:spLocks noGrp="1"/>
+          </p:cNvSpPr>
+          <p:nvPr>
+            <p:ph type="title"/>
+          </p:nvPr>
+        </p:nvSpPr>
+        <p:spPr/>
+        <p:txBody>
+          <a:bodyPr/>
+          <a:lstStyle/>
+          <a:p>
+            <a:r>
+              <a:rPr lang="en-US" dirty="0"/>
+              <a:t>Evaluation/Results</a:t>
+            </a:r>
+          </a:p>
+        </p:txBody>
+      </p:sp>
+      <p:sp>
+        <p:nvSpPr>
+          <p:cNvPr id="3" name="Content Placeholder 2">
+            <a:extLst>
+              <a:ext uri="{FF2B5EF4-FFF2-40B4-BE49-F238E27FC236}">
+                <a16:creationId xmlns:a16="http://schemas.microsoft.com/office/drawing/2014/main" id="{B341A247-45F4-E74C-BEDA-EEEBAB1F49C5}"/>
+              </a:ext>
+            </a:extLst>
+          </p:cNvPr>
+          <p:cNvSpPr>
+            <a:spLocks noGrp="1"/>
+          </p:cNvSpPr>
+          <p:nvPr>
+            <p:ph idx="1"/>
+          </p:nvPr>
+        </p:nvSpPr>
+        <p:spPr/>
+        <p:txBody>
+          <a:bodyPr/>
+          <a:lstStyle/>
+          <a:p>
+            <a:r>
+              <a:rPr lang="en-US" dirty="0"/>
+              <a:t>Graphs</a:t>
+            </a:r>
+          </a:p>
+          <a:p>
+            <a:endParaRPr lang="en-US" dirty="0"/>
+          </a:p>
+        </p:txBody>
+      </p:sp>
+      <p:sp>
+        <p:nvSpPr>
+          <p:cNvPr id="4" name="TextBox 3">
+            <a:extLst>
+              <a:ext uri="{FF2B5EF4-FFF2-40B4-BE49-F238E27FC236}">
+                <a16:creationId xmlns:a16="http://schemas.microsoft.com/office/drawing/2014/main" id="{77F0B0C7-9AD0-8847-A73B-0C08D1DBFF65}"/>
+              </a:ext>
+            </a:extLst>
+          </p:cNvPr>
+          <p:cNvSpPr txBox="1"/>
+          <p:nvPr/>
+        </p:nvSpPr>
+        <p:spPr>
+          <a:xfrm>
+            <a:off x="10015537" y="41959"/>
+            <a:ext cx="2676525" cy="646331"/>
+          </a:xfrm>
+          <a:prstGeom prst="rect">
+            <a:avLst/>
+          </a:prstGeom>
+          <a:noFill/>
+        </p:spPr>
+        <p:txBody>
+          <a:bodyPr wrap="square" rtlCol="0">
+            <a:spAutoFit/>
+          </a:bodyPr>
+          <a:lstStyle/>
+          <a:p>
+            <a:r>
+              <a:rPr lang="en-US" dirty="0"/>
+              <a:t>Evaluation/Results</a:t>
+            </a:r>
+          </a:p>
+          <a:p>
+            <a:endParaRPr lang="en-US" dirty="0"/>
+          </a:p>
+        </p:txBody>
+      </p:sp>
+    </p:spTree>
+    <p:extLst>
+      <p:ext uri="{BB962C8B-B14F-4D97-AF65-F5344CB8AC3E}">
+        <p14:creationId xmlns:p14="http://schemas.microsoft.com/office/powerpoint/2010/main" val="3572094549"/>
+      </p:ext>
+    </p:extLst>
+  </p:cSld>
+  <p:clrMapOvr>
+    <a:masterClrMapping/>
+  </p:clrMapOvr>
+</p:sld>
+</file>
+
+<file path=ppt/slides/slide7.xml><?xml version="1.0" encoding="utf-8"?>
+<p:sld xmlns:a="http://schemas.openxmlformats.org/drawingml/2006/main" xmlns:r="http://schemas.openxmlformats.org/officeDocument/2006/relationships" xmlns:p="http://schemas.openxmlformats.org/presentationml/2006/main">
+  <p:cSld>
+    <p:spTree>
+      <p:nvGrpSpPr>
+        <p:cNvPr id="1" name=""/>
+        <p:cNvGrpSpPr/>
+        <p:nvPr/>
+      </p:nvGrpSpPr>
+      <p:grpSpPr>
+        <a:xfrm>
+          <a:off x="0" y="0"/>
+          <a:ext cx="0" cy="0"/>
+          <a:chOff x="0" y="0"/>
+          <a:chExt cx="0" cy="0"/>
+        </a:xfrm>
+      </p:grpSpPr>
+      <p:sp>
+        <p:nvSpPr>
+          <p:cNvPr id="2" name="Title 1">
+            <a:extLst>
+              <a:ext uri="{FF2B5EF4-FFF2-40B4-BE49-F238E27FC236}">
+                <a16:creationId xmlns:a16="http://schemas.microsoft.com/office/drawing/2014/main" id="{E2B2999F-3191-6D46-85E9-39235060A0B1}"/>
+              </a:ext>
+            </a:extLst>
+          </p:cNvPr>
+          <p:cNvSpPr>
+            <a:spLocks noGrp="1"/>
+          </p:cNvSpPr>
+          <p:nvPr>
+            <p:ph type="title"/>
+          </p:nvPr>
+        </p:nvSpPr>
+        <p:spPr/>
+        <p:txBody>
+          <a:bodyPr/>
+          <a:lstStyle/>
+          <a:p>
+            <a:r>
+              <a:rPr lang="en-US" dirty="0"/>
+              <a:t>Evaluation/Results</a:t>
+            </a:r>
+          </a:p>
+        </p:txBody>
+      </p:sp>
+      <p:sp>
+        <p:nvSpPr>
+          <p:cNvPr id="3" name="Content Placeholder 2">
+            <a:extLst>
+              <a:ext uri="{FF2B5EF4-FFF2-40B4-BE49-F238E27FC236}">
+                <a16:creationId xmlns:a16="http://schemas.microsoft.com/office/drawing/2014/main" id="{B341A247-45F4-E74C-BEDA-EEEBAB1F49C5}"/>
+              </a:ext>
+            </a:extLst>
+          </p:cNvPr>
+          <p:cNvSpPr>
+            <a:spLocks noGrp="1"/>
+          </p:cNvSpPr>
+          <p:nvPr>
+            <p:ph idx="1"/>
+          </p:nvPr>
+        </p:nvSpPr>
+        <p:spPr/>
+        <p:txBody>
+          <a:bodyPr/>
+          <a:lstStyle/>
+          <a:p>
+            <a:r>
+              <a:rPr lang="en-US" dirty="0"/>
+              <a:t>Top Three Factors</a:t>
+            </a:r>
+          </a:p>
+          <a:p>
+            <a:endParaRPr lang="en-US" dirty="0"/>
+          </a:p>
+        </p:txBody>
+      </p:sp>
+      <p:sp>
+        <p:nvSpPr>
+          <p:cNvPr id="4" name="TextBox 3">
+            <a:extLst>
+              <a:ext uri="{FF2B5EF4-FFF2-40B4-BE49-F238E27FC236}">
+                <a16:creationId xmlns:a16="http://schemas.microsoft.com/office/drawing/2014/main" id="{77F0B0C7-9AD0-8847-A73B-0C08D1DBFF65}"/>
+              </a:ext>
+            </a:extLst>
+          </p:cNvPr>
+          <p:cNvSpPr txBox="1"/>
+          <p:nvPr/>
+        </p:nvSpPr>
+        <p:spPr>
+          <a:xfrm>
+            <a:off x="10015537" y="41959"/>
+            <a:ext cx="2676525" cy="646331"/>
+          </a:xfrm>
+          <a:prstGeom prst="rect">
+            <a:avLst/>
+          </a:prstGeom>
+          <a:noFill/>
+        </p:spPr>
+        <p:txBody>
+          <a:bodyPr wrap="square" rtlCol="0">
+            <a:spAutoFit/>
+          </a:bodyPr>
+          <a:lstStyle/>
+          <a:p>
+            <a:r>
+              <a:rPr lang="en-US" dirty="0"/>
+              <a:t>Evaluation/Results</a:t>
+            </a:r>
+          </a:p>
+          <a:p>
+            <a:endParaRPr lang="en-US" dirty="0"/>
+          </a:p>
+        </p:txBody>
+      </p:sp>
+    </p:spTree>
+    <p:extLst>
+      <p:ext uri="{BB962C8B-B14F-4D97-AF65-F5344CB8AC3E}">
+        <p14:creationId xmlns:p14="http://schemas.microsoft.com/office/powerpoint/2010/main" val="2365611372"/>
+      </p:ext>
+    </p:extLst>
+  </p:cSld>
+  <p:clrMapOvr>
+    <a:masterClrMapping/>
+  </p:clrMapOvr>
+</p:sld>
+</file>
+
+<file path=ppt/slides/slide8.xml><?xml version="1.0" encoding="utf-8"?>
+<p:sld xmlns:a="http://schemas.openxmlformats.org/drawingml/2006/main" xmlns:r="http://schemas.openxmlformats.org/officeDocument/2006/relationships" xmlns:p="http://schemas.openxmlformats.org/presentationml/2006/main">
+  <p:cSld>
+    <p:spTree>
+      <p:nvGrpSpPr>
+        <p:cNvPr id="1" name=""/>
+        <p:cNvGrpSpPr/>
+        <p:nvPr/>
+      </p:nvGrpSpPr>
+      <p:grpSpPr>
+        <a:xfrm>
+          <a:off x="0" y="0"/>
+          <a:ext cx="0" cy="0"/>
+          <a:chOff x="0" y="0"/>
+          <a:chExt cx="0" cy="0"/>
+        </a:xfrm>
+      </p:grpSpPr>
+      <p:sp>
+        <p:nvSpPr>
+          <p:cNvPr id="2" name="Title 1">
+            <a:extLst>
+              <a:ext uri="{FF2B5EF4-FFF2-40B4-BE49-F238E27FC236}">
+                <a16:creationId xmlns:a16="http://schemas.microsoft.com/office/drawing/2014/main" id="{E2B2999F-3191-6D46-85E9-39235060A0B1}"/>
+              </a:ext>
+            </a:extLst>
+          </p:cNvPr>
+          <p:cNvSpPr>
+            <a:spLocks noGrp="1"/>
+          </p:cNvSpPr>
+          <p:nvPr>
+            <p:ph type="title"/>
+          </p:nvPr>
+        </p:nvSpPr>
+        <p:spPr/>
+        <p:txBody>
+          <a:bodyPr/>
+          <a:lstStyle/>
+          <a:p>
+            <a:r>
+              <a:rPr lang="en-US" dirty="0"/>
+              <a:t>Evaluation/Results</a:t>
+            </a:r>
+          </a:p>
+        </p:txBody>
+      </p:sp>
+      <p:sp>
+        <p:nvSpPr>
+          <p:cNvPr id="3" name="Content Placeholder 2">
+            <a:extLst>
+              <a:ext uri="{FF2B5EF4-FFF2-40B4-BE49-F238E27FC236}">
+                <a16:creationId xmlns:a16="http://schemas.microsoft.com/office/drawing/2014/main" id="{B341A247-45F4-E74C-BEDA-EEEBAB1F49C5}"/>
+              </a:ext>
+            </a:extLst>
+          </p:cNvPr>
+          <p:cNvSpPr>
+            <a:spLocks noGrp="1"/>
+          </p:cNvSpPr>
+          <p:nvPr>
+            <p:ph idx="1"/>
+          </p:nvPr>
+        </p:nvSpPr>
+        <p:spPr/>
+        <p:txBody>
+          <a:bodyPr/>
+          <a:lstStyle/>
+          <a:p>
+            <a:r>
+              <a:rPr lang="en-US" dirty="0"/>
+              <a:t>Job Specific Trends</a:t>
+            </a:r>
+          </a:p>
+          <a:p>
+            <a:endParaRPr lang="en-US" dirty="0"/>
+          </a:p>
+        </p:txBody>
+      </p:sp>
+      <p:sp>
+        <p:nvSpPr>
+          <p:cNvPr id="4" name="TextBox 3">
+            <a:extLst>
+              <a:ext uri="{FF2B5EF4-FFF2-40B4-BE49-F238E27FC236}">
+                <a16:creationId xmlns:a16="http://schemas.microsoft.com/office/drawing/2014/main" id="{77F0B0C7-9AD0-8847-A73B-0C08D1DBFF65}"/>
+              </a:ext>
+            </a:extLst>
+          </p:cNvPr>
+          <p:cNvSpPr txBox="1"/>
+          <p:nvPr/>
+        </p:nvSpPr>
+        <p:spPr>
+          <a:xfrm>
+            <a:off x="10015537" y="41959"/>
+            <a:ext cx="2676525" cy="646331"/>
+          </a:xfrm>
+          <a:prstGeom prst="rect">
+            <a:avLst/>
+          </a:prstGeom>
+          <a:noFill/>
+        </p:spPr>
+        <p:txBody>
+          <a:bodyPr wrap="square" rtlCol="0">
+            <a:spAutoFit/>
+          </a:bodyPr>
+          <a:lstStyle/>
+          <a:p>
+            <a:r>
+              <a:rPr lang="en-US" dirty="0"/>
+              <a:t>Evaluation/Results</a:t>
+            </a:r>
+          </a:p>
+          <a:p>
+            <a:endParaRPr lang="en-US" dirty="0"/>
+          </a:p>
+        </p:txBody>
+      </p:sp>
+    </p:spTree>
+    <p:extLst>
+      <p:ext uri="{BB962C8B-B14F-4D97-AF65-F5344CB8AC3E}">
+        <p14:creationId xmlns:p14="http://schemas.microsoft.com/office/powerpoint/2010/main" val="1452799746"/>
+      </p:ext>
+    </p:extLst>
+  </p:cSld>
+  <p:clrMapOvr>
+    <a:masterClrMapping/>
+  </p:clrMapOvr>
+</p:sld>
+</file>
+
+<file path=ppt/slides/slide9.xml><?xml version="1.0" encoding="utf-8"?>
+<p:sld xmlns:a="http://schemas.openxmlformats.org/drawingml/2006/main" xmlns:r="http://schemas.openxmlformats.org/officeDocument/2006/relationships" xmlns:p="http://schemas.openxmlformats.org/presentationml/2006/main">
+  <p:cSld>
+    <p:spTree>
+      <p:nvGrpSpPr>
+        <p:cNvPr id="1" name=""/>
+        <p:cNvGrpSpPr/>
+        <p:nvPr/>
+      </p:nvGrpSpPr>
+      <p:grpSpPr>
+        <a:xfrm>
+          <a:off x="0" y="0"/>
+          <a:ext cx="0" cy="0"/>
+          <a:chOff x="0" y="0"/>
+          <a:chExt cx="0" cy="0"/>
+        </a:xfrm>
+      </p:grpSpPr>
+      <p:sp>
+        <p:nvSpPr>
+          <p:cNvPr id="2" name="Title 1">
+            <a:extLst>
+              <a:ext uri="{FF2B5EF4-FFF2-40B4-BE49-F238E27FC236}">
+                <a16:creationId xmlns:a16="http://schemas.microsoft.com/office/drawing/2014/main" id="{E2B2999F-3191-6D46-85E9-39235060A0B1}"/>
+              </a:ext>
+            </a:extLst>
+          </p:cNvPr>
+          <p:cNvSpPr>
+            <a:spLocks noGrp="1"/>
+          </p:cNvSpPr>
+          <p:nvPr>
+            <p:ph type="title"/>
+          </p:nvPr>
+        </p:nvSpPr>
+        <p:spPr/>
+        <p:txBody>
+          <a:bodyPr/>
+          <a:lstStyle/>
+          <a:p>
+            <a:r>
+              <a:rPr lang="en-US" dirty="0"/>
+              <a:t>Evaluation/Results</a:t>
+            </a:r>
+          </a:p>
+        </p:txBody>
+      </p:sp>
+      <p:sp>
+        <p:nvSpPr>
+          <p:cNvPr id="3" name="Content Placeholder 2">
+            <a:extLst>
+              <a:ext uri="{FF2B5EF4-FFF2-40B4-BE49-F238E27FC236}">
+                <a16:creationId xmlns:a16="http://schemas.microsoft.com/office/drawing/2014/main" id="{B341A247-45F4-E74C-BEDA-EEEBAB1F49C5}"/>
+              </a:ext>
+            </a:extLst>
+          </p:cNvPr>
+          <p:cNvSpPr>
+            <a:spLocks noGrp="1"/>
+          </p:cNvSpPr>
+          <p:nvPr>
+            <p:ph idx="1"/>
+          </p:nvPr>
+        </p:nvSpPr>
+        <p:spPr/>
+        <p:txBody>
+          <a:bodyPr/>
+          <a:lstStyle/>
+          <a:p>
+            <a:r>
+              <a:rPr lang="en-US" dirty="0"/>
+              <a:t>Other Things to Consider</a:t>
+            </a:r>
+          </a:p>
+          <a:p>
+            <a:endParaRPr lang="en-US" dirty="0"/>
+          </a:p>
+        </p:txBody>
+      </p:sp>
+      <p:sp>
+        <p:nvSpPr>
+          <p:cNvPr id="4" name="TextBox 3">
+            <a:extLst>
+              <a:ext uri="{FF2B5EF4-FFF2-40B4-BE49-F238E27FC236}">
+                <a16:creationId xmlns:a16="http://schemas.microsoft.com/office/drawing/2014/main" id="{77F0B0C7-9AD0-8847-A73B-0C08D1DBFF65}"/>
+              </a:ext>
+            </a:extLst>
+          </p:cNvPr>
+          <p:cNvSpPr txBox="1"/>
+          <p:nvPr/>
+        </p:nvSpPr>
+        <p:spPr>
+          <a:xfrm>
+            <a:off x="10015537" y="41959"/>
+            <a:ext cx="2676525" cy="646331"/>
+          </a:xfrm>
+          <a:prstGeom prst="rect">
+            <a:avLst/>
+          </a:prstGeom>
+          <a:noFill/>
+        </p:spPr>
+        <p:txBody>
+          <a:bodyPr wrap="square" rtlCol="0">
+            <a:spAutoFit/>
+          </a:bodyPr>
+          <a:lstStyle/>
+          <a:p>
+            <a:r>
+              <a:rPr lang="en-US" dirty="0"/>
+              <a:t>Evaluation/Results</a:t>
+            </a:r>
+          </a:p>
+          <a:p>
+            <a:endParaRPr lang="en-US" dirty="0"/>
+          </a:p>
+        </p:txBody>
+      </p:sp>
+    </p:spTree>
+    <p:extLst>
+      <p:ext uri="{BB962C8B-B14F-4D97-AF65-F5344CB8AC3E}">
+        <p14:creationId xmlns:p14="http://schemas.microsoft.com/office/powerpoint/2010/main" val="845989392"/>
       </p:ext>
     </p:extLst>
   </p:cSld>

--- a/DDS_Case_Study_2_Presentation.pptx
+++ b/DDS_Case_Study_2_Presentation.pptx
@@ -3938,10 +3938,9 @@
           <a:lstStyle/>
           <a:p>
             <a:r>
-              <a:rPr lang="en-US" dirty="0" err="1"/>
-              <a:t>Reccomendations</a:t>
-            </a:r>
-            <a:endParaRPr lang="en-US" dirty="0"/>
+              <a:rPr lang="en-US" dirty="0"/>
+              <a:t>Recommendations</a:t>
+            </a:r>
           </a:p>
           <a:p>
             <a:endParaRPr lang="en-US" dirty="0"/>
@@ -4067,8 +4066,11 @@
           <a:p>
             <a:r>
               <a:rPr lang="en-US" dirty="0"/>
-              <a:t>Improvements</a:t>
-            </a:r>
+              <a:t>Improvements – Overfitting, reduce variables and re run logistic regression</a:t>
+            </a:r>
+          </a:p>
+          <a:p>
+            <a:endParaRPr lang="en-US" dirty="0"/>
           </a:p>
           <a:p>
             <a:endParaRPr lang="en-US" dirty="0"/>
@@ -4333,28 +4335,19 @@
           <a:p>
             <a:r>
               <a:rPr lang="en-US" dirty="0"/>
-              <a:t>We examined 1,471 current and dearly departed employees across 33 attributes </a:t>
+              <a:t>We examined 1,470 current and dearly departed employees across 33 attributes </a:t>
             </a:r>
           </a:p>
           <a:p>
             <a:r>
               <a:rPr lang="en-US" dirty="0"/>
-              <a:t>XXX% Of these employees quit</a:t>
-            </a:r>
-          </a:p>
-          <a:p>
-            <a:r>
-              <a:rPr lang="en-US" dirty="0"/>
-              <a:t>Can we predict which employees are most likely to depart? </a:t>
-            </a:r>
-          </a:p>
-          <a:p>
-            <a:r>
-              <a:rPr lang="en-US" dirty="0"/>
-              <a:t>Can we prevent it? </a:t>
-            </a:r>
-          </a:p>
-          <a:p>
+              <a:t>237 of these employees quit</a:t>
+            </a:r>
+          </a:p>
+          <a:p>
+            <a:pPr marL="0" indent="0">
+              <a:buNone/>
+            </a:pPr>
             <a:endParaRPr lang="en-US" dirty="0"/>
           </a:p>
         </p:txBody>
@@ -4490,7 +4483,7 @@
           <a:p>
             <a:r>
               <a:rPr lang="en-US" dirty="0"/>
-              <a:t>We through out X, Y, and Z because we assume blah blah blah </a:t>
+              <a:t>We threw out X, Y, and Z because we assume blah blah blah </a:t>
             </a:r>
           </a:p>
           <a:p>
@@ -4505,6 +4498,18 @@
             <a:r>
               <a:rPr lang="en-US" dirty="0"/>
               <a:t> predictors</a:t>
+            </a:r>
+          </a:p>
+          <a:p>
+            <a:r>
+              <a:rPr lang="en-US" dirty="0"/>
+              <a:t>We retrained on the first 1000 observations of the dataset using these predictors</a:t>
+            </a:r>
+          </a:p>
+          <a:p>
+            <a:r>
+              <a:rPr lang="en-US" dirty="0"/>
+              <a:t>We tested it against the remaining  observations with XXX percent correct prediction</a:t>
             </a:r>
           </a:p>
           <a:p>

--- a/DDS_Case_Study_2_Presentation.pptx
+++ b/DDS_Case_Study_2_Presentation.pptx
@@ -4642,6 +4642,15 @@
           <a:p>
             <a:endParaRPr lang="en-US" dirty="0"/>
           </a:p>
+          <a:p>
+            <a:r>
+              <a:rPr lang="en-US" dirty="0"/>
+              <a:t>We threw out the Overtime as predictor because they </a:t>
+            </a:r>
+          </a:p>
+          <a:p>
+            <a:endParaRPr lang="en-US" dirty="0"/>
+          </a:p>
         </p:txBody>
       </p:sp>
       <p:sp>
